--- a/ppt 16-9/0957.耶稣门徒.pptx
+++ b/ppt 16-9/0957.耶稣门徒.pptx
@@ -5,7 +5,7 @@
     <p:sldMasterId id="2147483648" r:id="rId1"/>
   </p:sldMasterIdLst>
   <p:sldIdLst>
-    <p:sldId id="344" r:id="rId2"/>
+    <p:sldId id="346" r:id="rId2"/>
   </p:sldIdLst>
   <p:sldSz cx="12192000" cy="6858000"/>
   <p:notesSz cx="6858000" cy="9144000"/>
@@ -129,7 +129,7 @@
           <p:cNvPr id="2" name="标题 1">
             <a:extLst>
               <a:ext uri="{FF2B5EF4-FFF2-40B4-BE49-F238E27FC236}">
-                <a16:creationId xmlns:a16="http://schemas.microsoft.com/office/drawing/2014/main" id="{3AFD800E-7913-C30E-8029-7960013C9C36}"/>
+                <a16:creationId xmlns:a16="http://schemas.microsoft.com/office/drawing/2014/main" id="{3F9D6DD0-1372-CAF3-8CE1-596C6DBF71A6}"/>
               </a:ext>
             </a:extLst>
           </p:cNvPr>
@@ -166,7 +166,7 @@
           <p:cNvPr id="3" name="副标题 2">
             <a:extLst>
               <a:ext uri="{FF2B5EF4-FFF2-40B4-BE49-F238E27FC236}">
-                <a16:creationId xmlns:a16="http://schemas.microsoft.com/office/drawing/2014/main" id="{897F5EA8-FA1F-7966-AB82-729CA32666AA}"/>
+                <a16:creationId xmlns:a16="http://schemas.microsoft.com/office/drawing/2014/main" id="{500D50B3-0757-76AC-876C-931749683A91}"/>
               </a:ext>
             </a:extLst>
           </p:cNvPr>
@@ -236,7 +236,7 @@
           <p:cNvPr id="4" name="日期占位符 3">
             <a:extLst>
               <a:ext uri="{FF2B5EF4-FFF2-40B4-BE49-F238E27FC236}">
-                <a16:creationId xmlns:a16="http://schemas.microsoft.com/office/drawing/2014/main" id="{235B439F-ACF4-BD75-3A1C-9588C34B2BA6}"/>
+                <a16:creationId xmlns:a16="http://schemas.microsoft.com/office/drawing/2014/main" id="{A8E20080-3671-A515-F091-D12ADA7CAE6B}"/>
               </a:ext>
             </a:extLst>
           </p:cNvPr>
@@ -252,7 +252,7 @@
           <a:bodyPr/>
           <a:lstStyle/>
           <a:p>
-            <a:fld id="{C10D9E13-0E5E-45FF-8088-5314822C4FDB}" type="datetimeFigureOut">
+            <a:fld id="{A9759116-7615-4817-8AA8-8085E04F8B36}" type="datetimeFigureOut">
               <a:rPr lang="zh-CN" altLang="en-US" smtClean="0"/>
               <a:t>2024/3/10</a:t>
             </a:fld>
@@ -265,7 +265,7 @@
           <p:cNvPr id="5" name="页脚占位符 4">
             <a:extLst>
               <a:ext uri="{FF2B5EF4-FFF2-40B4-BE49-F238E27FC236}">
-                <a16:creationId xmlns:a16="http://schemas.microsoft.com/office/drawing/2014/main" id="{841393A7-D6BD-ED78-8568-6F30D4C187AD}"/>
+                <a16:creationId xmlns:a16="http://schemas.microsoft.com/office/drawing/2014/main" id="{2CAF2CA1-3B88-E7B4-2B8F-5E5073660B40}"/>
               </a:ext>
             </a:extLst>
           </p:cNvPr>
@@ -290,7 +290,7 @@
           <p:cNvPr id="6" name="灯片编号占位符 5">
             <a:extLst>
               <a:ext uri="{FF2B5EF4-FFF2-40B4-BE49-F238E27FC236}">
-                <a16:creationId xmlns:a16="http://schemas.microsoft.com/office/drawing/2014/main" id="{3F233FD9-F68D-644E-0290-02AF186DA030}"/>
+                <a16:creationId xmlns:a16="http://schemas.microsoft.com/office/drawing/2014/main" id="{CCF66F8A-C266-C232-BC1D-4585F07D4C36}"/>
               </a:ext>
             </a:extLst>
           </p:cNvPr>
@@ -306,7 +306,7 @@
           <a:bodyPr/>
           <a:lstStyle/>
           <a:p>
-            <a:fld id="{6967C046-A2DA-461A-A5B7-DE060B38A797}" type="slidenum">
+            <a:fld id="{67AC7DF7-70FB-4D34-9580-0A5CFF1DAD87}" type="slidenum">
               <a:rPr lang="zh-CN" altLang="en-US" smtClean="0"/>
               <a:t>‹#›</a:t>
             </a:fld>
@@ -317,7 +317,7 @@
     </p:spTree>
     <p:extLst>
       <p:ext uri="{BB962C8B-B14F-4D97-AF65-F5344CB8AC3E}">
-        <p14:creationId xmlns:p14="http://schemas.microsoft.com/office/powerpoint/2010/main" val="3845776089"/>
+        <p14:creationId xmlns:p14="http://schemas.microsoft.com/office/powerpoint/2010/main" val="67861868"/>
       </p:ext>
     </p:extLst>
   </p:cSld>
@@ -349,7 +349,7 @@
           <p:cNvPr id="2" name="标题 1">
             <a:extLst>
               <a:ext uri="{FF2B5EF4-FFF2-40B4-BE49-F238E27FC236}">
-                <a16:creationId xmlns:a16="http://schemas.microsoft.com/office/drawing/2014/main" id="{51C4BEC8-47F9-3F65-76EB-888D1D7B843C}"/>
+                <a16:creationId xmlns:a16="http://schemas.microsoft.com/office/drawing/2014/main" id="{4E318CDB-6203-1424-2ED5-30BE596F8EB9}"/>
               </a:ext>
             </a:extLst>
           </p:cNvPr>
@@ -377,7 +377,7 @@
           <p:cNvPr id="3" name="竖排文字占位符 2">
             <a:extLst>
               <a:ext uri="{FF2B5EF4-FFF2-40B4-BE49-F238E27FC236}">
-                <a16:creationId xmlns:a16="http://schemas.microsoft.com/office/drawing/2014/main" id="{828F9E37-5C66-B0BE-2E6C-A91AB6D5D409}"/>
+                <a16:creationId xmlns:a16="http://schemas.microsoft.com/office/drawing/2014/main" id="{1FC04B11-9B7D-A103-CB4C-15E5CA1A267F}"/>
               </a:ext>
             </a:extLst>
           </p:cNvPr>
@@ -434,7 +434,7 @@
           <p:cNvPr id="4" name="日期占位符 3">
             <a:extLst>
               <a:ext uri="{FF2B5EF4-FFF2-40B4-BE49-F238E27FC236}">
-                <a16:creationId xmlns:a16="http://schemas.microsoft.com/office/drawing/2014/main" id="{3B2853EB-4D75-FF47-1EBF-DF259A5D2922}"/>
+                <a16:creationId xmlns:a16="http://schemas.microsoft.com/office/drawing/2014/main" id="{A8B12E88-E9CF-BEE5-F82F-B6AB4DD4F23B}"/>
               </a:ext>
             </a:extLst>
           </p:cNvPr>
@@ -450,7 +450,7 @@
           <a:bodyPr/>
           <a:lstStyle/>
           <a:p>
-            <a:fld id="{C10D9E13-0E5E-45FF-8088-5314822C4FDB}" type="datetimeFigureOut">
+            <a:fld id="{A9759116-7615-4817-8AA8-8085E04F8B36}" type="datetimeFigureOut">
               <a:rPr lang="zh-CN" altLang="en-US" smtClean="0"/>
               <a:t>2024/3/10</a:t>
             </a:fld>
@@ -463,7 +463,7 @@
           <p:cNvPr id="5" name="页脚占位符 4">
             <a:extLst>
               <a:ext uri="{FF2B5EF4-FFF2-40B4-BE49-F238E27FC236}">
-                <a16:creationId xmlns:a16="http://schemas.microsoft.com/office/drawing/2014/main" id="{2AB20208-35ED-3650-C9DE-C80D292E7944}"/>
+                <a16:creationId xmlns:a16="http://schemas.microsoft.com/office/drawing/2014/main" id="{0496D551-C160-E8E2-3DAB-82ACD688DC87}"/>
               </a:ext>
             </a:extLst>
           </p:cNvPr>
@@ -488,7 +488,7 @@
           <p:cNvPr id="6" name="灯片编号占位符 5">
             <a:extLst>
               <a:ext uri="{FF2B5EF4-FFF2-40B4-BE49-F238E27FC236}">
-                <a16:creationId xmlns:a16="http://schemas.microsoft.com/office/drawing/2014/main" id="{2B3513AB-A868-CDEC-ABA0-C3110552449A}"/>
+                <a16:creationId xmlns:a16="http://schemas.microsoft.com/office/drawing/2014/main" id="{391D6611-35B2-3AD9-2EA3-95C3CBADCA22}"/>
               </a:ext>
             </a:extLst>
           </p:cNvPr>
@@ -504,7 +504,7 @@
           <a:bodyPr/>
           <a:lstStyle/>
           <a:p>
-            <a:fld id="{6967C046-A2DA-461A-A5B7-DE060B38A797}" type="slidenum">
+            <a:fld id="{67AC7DF7-70FB-4D34-9580-0A5CFF1DAD87}" type="slidenum">
               <a:rPr lang="zh-CN" altLang="en-US" smtClean="0"/>
               <a:t>‹#›</a:t>
             </a:fld>
@@ -515,7 +515,7 @@
     </p:spTree>
     <p:extLst>
       <p:ext uri="{BB962C8B-B14F-4D97-AF65-F5344CB8AC3E}">
-        <p14:creationId xmlns:p14="http://schemas.microsoft.com/office/powerpoint/2010/main" val="4287803301"/>
+        <p14:creationId xmlns:p14="http://schemas.microsoft.com/office/powerpoint/2010/main" val="4290534476"/>
       </p:ext>
     </p:extLst>
   </p:cSld>
@@ -547,7 +547,7 @@
           <p:cNvPr id="2" name="竖排标题 1">
             <a:extLst>
               <a:ext uri="{FF2B5EF4-FFF2-40B4-BE49-F238E27FC236}">
-                <a16:creationId xmlns:a16="http://schemas.microsoft.com/office/drawing/2014/main" id="{E856D381-1DE8-E5E5-050E-DD4E50FA2E3C}"/>
+                <a16:creationId xmlns:a16="http://schemas.microsoft.com/office/drawing/2014/main" id="{CEDF3C15-C0DF-4FA0-6522-516A4F50AA94}"/>
               </a:ext>
             </a:extLst>
           </p:cNvPr>
@@ -580,7 +580,7 @@
           <p:cNvPr id="3" name="竖排文字占位符 2">
             <a:extLst>
               <a:ext uri="{FF2B5EF4-FFF2-40B4-BE49-F238E27FC236}">
-                <a16:creationId xmlns:a16="http://schemas.microsoft.com/office/drawing/2014/main" id="{0063D525-3EFF-6D69-4734-5241A87ECB00}"/>
+                <a16:creationId xmlns:a16="http://schemas.microsoft.com/office/drawing/2014/main" id="{88D09BEC-81F5-F17D-3801-82FBA778D35B}"/>
               </a:ext>
             </a:extLst>
           </p:cNvPr>
@@ -642,7 +642,7 @@
           <p:cNvPr id="4" name="日期占位符 3">
             <a:extLst>
               <a:ext uri="{FF2B5EF4-FFF2-40B4-BE49-F238E27FC236}">
-                <a16:creationId xmlns:a16="http://schemas.microsoft.com/office/drawing/2014/main" id="{42D4EEC4-7DC8-9DCE-4706-10907BD4EFEE}"/>
+                <a16:creationId xmlns:a16="http://schemas.microsoft.com/office/drawing/2014/main" id="{E3A8A4E4-F3D9-0169-6C50-2370C019213D}"/>
               </a:ext>
             </a:extLst>
           </p:cNvPr>
@@ -658,7 +658,7 @@
           <a:bodyPr/>
           <a:lstStyle/>
           <a:p>
-            <a:fld id="{C10D9E13-0E5E-45FF-8088-5314822C4FDB}" type="datetimeFigureOut">
+            <a:fld id="{A9759116-7615-4817-8AA8-8085E04F8B36}" type="datetimeFigureOut">
               <a:rPr lang="zh-CN" altLang="en-US" smtClean="0"/>
               <a:t>2024/3/10</a:t>
             </a:fld>
@@ -671,7 +671,7 @@
           <p:cNvPr id="5" name="页脚占位符 4">
             <a:extLst>
               <a:ext uri="{FF2B5EF4-FFF2-40B4-BE49-F238E27FC236}">
-                <a16:creationId xmlns:a16="http://schemas.microsoft.com/office/drawing/2014/main" id="{53D70671-FCFA-D174-3070-49F19C43E729}"/>
+                <a16:creationId xmlns:a16="http://schemas.microsoft.com/office/drawing/2014/main" id="{28E26771-8A07-4FA9-1B08-DE533A54A474}"/>
               </a:ext>
             </a:extLst>
           </p:cNvPr>
@@ -696,7 +696,7 @@
           <p:cNvPr id="6" name="灯片编号占位符 5">
             <a:extLst>
               <a:ext uri="{FF2B5EF4-FFF2-40B4-BE49-F238E27FC236}">
-                <a16:creationId xmlns:a16="http://schemas.microsoft.com/office/drawing/2014/main" id="{BB5E4E5E-18C0-63A0-33BB-1C95189A2373}"/>
+                <a16:creationId xmlns:a16="http://schemas.microsoft.com/office/drawing/2014/main" id="{4AA44727-93F4-1000-5D1B-24E5E6DA8EFD}"/>
               </a:ext>
             </a:extLst>
           </p:cNvPr>
@@ -712,7 +712,7 @@
           <a:bodyPr/>
           <a:lstStyle/>
           <a:p>
-            <a:fld id="{6967C046-A2DA-461A-A5B7-DE060B38A797}" type="slidenum">
+            <a:fld id="{67AC7DF7-70FB-4D34-9580-0A5CFF1DAD87}" type="slidenum">
               <a:rPr lang="zh-CN" altLang="en-US" smtClean="0"/>
               <a:t>‹#›</a:t>
             </a:fld>
@@ -723,7 +723,7 @@
     </p:spTree>
     <p:extLst>
       <p:ext uri="{BB962C8B-B14F-4D97-AF65-F5344CB8AC3E}">
-        <p14:creationId xmlns:p14="http://schemas.microsoft.com/office/powerpoint/2010/main" val="3348767322"/>
+        <p14:creationId xmlns:p14="http://schemas.microsoft.com/office/powerpoint/2010/main" val="3545554466"/>
       </p:ext>
     </p:extLst>
   </p:cSld>
@@ -755,7 +755,7 @@
           <p:cNvPr id="2" name="标题 1">
             <a:extLst>
               <a:ext uri="{FF2B5EF4-FFF2-40B4-BE49-F238E27FC236}">
-                <a16:creationId xmlns:a16="http://schemas.microsoft.com/office/drawing/2014/main" id="{4B5DD5F1-3438-C1E7-DA65-90F79D7BF540}"/>
+                <a16:creationId xmlns:a16="http://schemas.microsoft.com/office/drawing/2014/main" id="{29560983-CCC4-86D5-9271-CE1A3417FD94}"/>
               </a:ext>
             </a:extLst>
           </p:cNvPr>
@@ -783,7 +783,7 @@
           <p:cNvPr id="3" name="内容占位符 2">
             <a:extLst>
               <a:ext uri="{FF2B5EF4-FFF2-40B4-BE49-F238E27FC236}">
-                <a16:creationId xmlns:a16="http://schemas.microsoft.com/office/drawing/2014/main" id="{FE5F00F2-627B-59FB-56BD-37F826FF9000}"/>
+                <a16:creationId xmlns:a16="http://schemas.microsoft.com/office/drawing/2014/main" id="{B1E8E6CE-950A-B1E5-F6A7-DC3F8972923A}"/>
               </a:ext>
             </a:extLst>
           </p:cNvPr>
@@ -840,7 +840,7 @@
           <p:cNvPr id="4" name="日期占位符 3">
             <a:extLst>
               <a:ext uri="{FF2B5EF4-FFF2-40B4-BE49-F238E27FC236}">
-                <a16:creationId xmlns:a16="http://schemas.microsoft.com/office/drawing/2014/main" id="{961B0642-FCFE-9461-12B4-1006EA83C88D}"/>
+                <a16:creationId xmlns:a16="http://schemas.microsoft.com/office/drawing/2014/main" id="{9F722D33-BCAC-A436-9E60-BB930F795619}"/>
               </a:ext>
             </a:extLst>
           </p:cNvPr>
@@ -856,7 +856,7 @@
           <a:bodyPr/>
           <a:lstStyle/>
           <a:p>
-            <a:fld id="{C10D9E13-0E5E-45FF-8088-5314822C4FDB}" type="datetimeFigureOut">
+            <a:fld id="{A9759116-7615-4817-8AA8-8085E04F8B36}" type="datetimeFigureOut">
               <a:rPr lang="zh-CN" altLang="en-US" smtClean="0"/>
               <a:t>2024/3/10</a:t>
             </a:fld>
@@ -869,7 +869,7 @@
           <p:cNvPr id="5" name="页脚占位符 4">
             <a:extLst>
               <a:ext uri="{FF2B5EF4-FFF2-40B4-BE49-F238E27FC236}">
-                <a16:creationId xmlns:a16="http://schemas.microsoft.com/office/drawing/2014/main" id="{7665D4E3-2ACC-D428-C1F1-33AF747746B6}"/>
+                <a16:creationId xmlns:a16="http://schemas.microsoft.com/office/drawing/2014/main" id="{72B07074-3170-06C2-2D9B-F0D1202BADF2}"/>
               </a:ext>
             </a:extLst>
           </p:cNvPr>
@@ -894,7 +894,7 @@
           <p:cNvPr id="6" name="灯片编号占位符 5">
             <a:extLst>
               <a:ext uri="{FF2B5EF4-FFF2-40B4-BE49-F238E27FC236}">
-                <a16:creationId xmlns:a16="http://schemas.microsoft.com/office/drawing/2014/main" id="{9803B37F-8F08-8327-2653-ABD68604BEF0}"/>
+                <a16:creationId xmlns:a16="http://schemas.microsoft.com/office/drawing/2014/main" id="{97B29736-DE2B-F086-CB4B-10A183FD08F9}"/>
               </a:ext>
             </a:extLst>
           </p:cNvPr>
@@ -910,7 +910,7 @@
           <a:bodyPr/>
           <a:lstStyle/>
           <a:p>
-            <a:fld id="{6967C046-A2DA-461A-A5B7-DE060B38A797}" type="slidenum">
+            <a:fld id="{67AC7DF7-70FB-4D34-9580-0A5CFF1DAD87}" type="slidenum">
               <a:rPr lang="zh-CN" altLang="en-US" smtClean="0"/>
               <a:t>‹#›</a:t>
             </a:fld>
@@ -921,7 +921,7 @@
     </p:spTree>
     <p:extLst>
       <p:ext uri="{BB962C8B-B14F-4D97-AF65-F5344CB8AC3E}">
-        <p14:creationId xmlns:p14="http://schemas.microsoft.com/office/powerpoint/2010/main" val="4107300713"/>
+        <p14:creationId xmlns:p14="http://schemas.microsoft.com/office/powerpoint/2010/main" val="1325835689"/>
       </p:ext>
     </p:extLst>
   </p:cSld>
@@ -953,7 +953,7 @@
           <p:cNvPr id="2" name="标题 1">
             <a:extLst>
               <a:ext uri="{FF2B5EF4-FFF2-40B4-BE49-F238E27FC236}">
-                <a16:creationId xmlns:a16="http://schemas.microsoft.com/office/drawing/2014/main" id="{74571ADD-79D7-FA96-98FD-DD2FFBD9A0A7}"/>
+                <a16:creationId xmlns:a16="http://schemas.microsoft.com/office/drawing/2014/main" id="{DEFE8BE6-4906-9B4F-0415-E8AA121C9A39}"/>
               </a:ext>
             </a:extLst>
           </p:cNvPr>
@@ -990,7 +990,7 @@
           <p:cNvPr id="3" name="文本占位符 2">
             <a:extLst>
               <a:ext uri="{FF2B5EF4-FFF2-40B4-BE49-F238E27FC236}">
-                <a16:creationId xmlns:a16="http://schemas.microsoft.com/office/drawing/2014/main" id="{35CA8CD6-8131-0B8D-FBA5-FAE8374BD7A3}"/>
+                <a16:creationId xmlns:a16="http://schemas.microsoft.com/office/drawing/2014/main" id="{6A43F4E1-0C6F-47BB-DEFA-BC7D14BA3CB9}"/>
               </a:ext>
             </a:extLst>
           </p:cNvPr>
@@ -1115,7 +1115,7 @@
           <p:cNvPr id="4" name="日期占位符 3">
             <a:extLst>
               <a:ext uri="{FF2B5EF4-FFF2-40B4-BE49-F238E27FC236}">
-                <a16:creationId xmlns:a16="http://schemas.microsoft.com/office/drawing/2014/main" id="{3BBD5558-B6B7-4804-CE1A-08343717A085}"/>
+                <a16:creationId xmlns:a16="http://schemas.microsoft.com/office/drawing/2014/main" id="{8FE0421C-58E4-DB26-F638-9D43D462F32B}"/>
               </a:ext>
             </a:extLst>
           </p:cNvPr>
@@ -1131,7 +1131,7 @@
           <a:bodyPr/>
           <a:lstStyle/>
           <a:p>
-            <a:fld id="{C10D9E13-0E5E-45FF-8088-5314822C4FDB}" type="datetimeFigureOut">
+            <a:fld id="{A9759116-7615-4817-8AA8-8085E04F8B36}" type="datetimeFigureOut">
               <a:rPr lang="zh-CN" altLang="en-US" smtClean="0"/>
               <a:t>2024/3/10</a:t>
             </a:fld>
@@ -1144,7 +1144,7 @@
           <p:cNvPr id="5" name="页脚占位符 4">
             <a:extLst>
               <a:ext uri="{FF2B5EF4-FFF2-40B4-BE49-F238E27FC236}">
-                <a16:creationId xmlns:a16="http://schemas.microsoft.com/office/drawing/2014/main" id="{2653E725-82D5-78EC-D99B-F156CC64A59E}"/>
+                <a16:creationId xmlns:a16="http://schemas.microsoft.com/office/drawing/2014/main" id="{93DD3722-69F4-F301-1A4E-A7DF5C2F6FE6}"/>
               </a:ext>
             </a:extLst>
           </p:cNvPr>
@@ -1169,7 +1169,7 @@
           <p:cNvPr id="6" name="灯片编号占位符 5">
             <a:extLst>
               <a:ext uri="{FF2B5EF4-FFF2-40B4-BE49-F238E27FC236}">
-                <a16:creationId xmlns:a16="http://schemas.microsoft.com/office/drawing/2014/main" id="{99571F7C-9F8B-201A-B47D-60448319575D}"/>
+                <a16:creationId xmlns:a16="http://schemas.microsoft.com/office/drawing/2014/main" id="{7FB8E886-D26B-D65F-1366-5E7349ABFC39}"/>
               </a:ext>
             </a:extLst>
           </p:cNvPr>
@@ -1185,7 +1185,7 @@
           <a:bodyPr/>
           <a:lstStyle/>
           <a:p>
-            <a:fld id="{6967C046-A2DA-461A-A5B7-DE060B38A797}" type="slidenum">
+            <a:fld id="{67AC7DF7-70FB-4D34-9580-0A5CFF1DAD87}" type="slidenum">
               <a:rPr lang="zh-CN" altLang="en-US" smtClean="0"/>
               <a:t>‹#›</a:t>
             </a:fld>
@@ -1196,7 +1196,7 @@
     </p:spTree>
     <p:extLst>
       <p:ext uri="{BB962C8B-B14F-4D97-AF65-F5344CB8AC3E}">
-        <p14:creationId xmlns:p14="http://schemas.microsoft.com/office/powerpoint/2010/main" val="1788042752"/>
+        <p14:creationId xmlns:p14="http://schemas.microsoft.com/office/powerpoint/2010/main" val="3270800094"/>
       </p:ext>
     </p:extLst>
   </p:cSld>
@@ -1228,7 +1228,7 @@
           <p:cNvPr id="2" name="标题 1">
             <a:extLst>
               <a:ext uri="{FF2B5EF4-FFF2-40B4-BE49-F238E27FC236}">
-                <a16:creationId xmlns:a16="http://schemas.microsoft.com/office/drawing/2014/main" id="{5117770B-328B-99A1-0B4F-670286AA2945}"/>
+                <a16:creationId xmlns:a16="http://schemas.microsoft.com/office/drawing/2014/main" id="{775A8B16-4607-5A44-0D0D-BB28DB0A1C15}"/>
               </a:ext>
             </a:extLst>
           </p:cNvPr>
@@ -1256,7 +1256,7 @@
           <p:cNvPr id="3" name="内容占位符 2">
             <a:extLst>
               <a:ext uri="{FF2B5EF4-FFF2-40B4-BE49-F238E27FC236}">
-                <a16:creationId xmlns:a16="http://schemas.microsoft.com/office/drawing/2014/main" id="{DA583053-9E69-8944-9EF3-19BF41163BF2}"/>
+                <a16:creationId xmlns:a16="http://schemas.microsoft.com/office/drawing/2014/main" id="{BAB860C1-EE11-2792-76EE-6123CCE7889F}"/>
               </a:ext>
             </a:extLst>
           </p:cNvPr>
@@ -1318,7 +1318,7 @@
           <p:cNvPr id="4" name="内容占位符 3">
             <a:extLst>
               <a:ext uri="{FF2B5EF4-FFF2-40B4-BE49-F238E27FC236}">
-                <a16:creationId xmlns:a16="http://schemas.microsoft.com/office/drawing/2014/main" id="{FA115F3F-DCE5-3518-DFDE-C122431C54EB}"/>
+                <a16:creationId xmlns:a16="http://schemas.microsoft.com/office/drawing/2014/main" id="{F706E06C-97D0-23D6-6706-C9EB7A16F208}"/>
               </a:ext>
             </a:extLst>
           </p:cNvPr>
@@ -1380,7 +1380,7 @@
           <p:cNvPr id="5" name="日期占位符 4">
             <a:extLst>
               <a:ext uri="{FF2B5EF4-FFF2-40B4-BE49-F238E27FC236}">
-                <a16:creationId xmlns:a16="http://schemas.microsoft.com/office/drawing/2014/main" id="{D75B4158-5B68-018C-9FDD-F10EA9569F85}"/>
+                <a16:creationId xmlns:a16="http://schemas.microsoft.com/office/drawing/2014/main" id="{832F5960-860B-8470-3630-425E0F6702CB}"/>
               </a:ext>
             </a:extLst>
           </p:cNvPr>
@@ -1396,7 +1396,7 @@
           <a:bodyPr/>
           <a:lstStyle/>
           <a:p>
-            <a:fld id="{C10D9E13-0E5E-45FF-8088-5314822C4FDB}" type="datetimeFigureOut">
+            <a:fld id="{A9759116-7615-4817-8AA8-8085E04F8B36}" type="datetimeFigureOut">
               <a:rPr lang="zh-CN" altLang="en-US" smtClean="0"/>
               <a:t>2024/3/10</a:t>
             </a:fld>
@@ -1409,7 +1409,7 @@
           <p:cNvPr id="6" name="页脚占位符 5">
             <a:extLst>
               <a:ext uri="{FF2B5EF4-FFF2-40B4-BE49-F238E27FC236}">
-                <a16:creationId xmlns:a16="http://schemas.microsoft.com/office/drawing/2014/main" id="{1012EDB7-08F3-AB7D-B3D0-C0EB1AFAB34F}"/>
+                <a16:creationId xmlns:a16="http://schemas.microsoft.com/office/drawing/2014/main" id="{668BCB3D-D382-41EE-6028-A38D717C0526}"/>
               </a:ext>
             </a:extLst>
           </p:cNvPr>
@@ -1434,7 +1434,7 @@
           <p:cNvPr id="7" name="灯片编号占位符 6">
             <a:extLst>
               <a:ext uri="{FF2B5EF4-FFF2-40B4-BE49-F238E27FC236}">
-                <a16:creationId xmlns:a16="http://schemas.microsoft.com/office/drawing/2014/main" id="{DAAACB2B-F567-6F9E-7714-64F5C981A56F}"/>
+                <a16:creationId xmlns:a16="http://schemas.microsoft.com/office/drawing/2014/main" id="{5F8CC07B-974B-9D09-CE7E-F4CC86E308A9}"/>
               </a:ext>
             </a:extLst>
           </p:cNvPr>
@@ -1450,7 +1450,7 @@
           <a:bodyPr/>
           <a:lstStyle/>
           <a:p>
-            <a:fld id="{6967C046-A2DA-461A-A5B7-DE060B38A797}" type="slidenum">
+            <a:fld id="{67AC7DF7-70FB-4D34-9580-0A5CFF1DAD87}" type="slidenum">
               <a:rPr lang="zh-CN" altLang="en-US" smtClean="0"/>
               <a:t>‹#›</a:t>
             </a:fld>
@@ -1461,7 +1461,7 @@
     </p:spTree>
     <p:extLst>
       <p:ext uri="{BB962C8B-B14F-4D97-AF65-F5344CB8AC3E}">
-        <p14:creationId xmlns:p14="http://schemas.microsoft.com/office/powerpoint/2010/main" val="2137848898"/>
+        <p14:creationId xmlns:p14="http://schemas.microsoft.com/office/powerpoint/2010/main" val="2164003217"/>
       </p:ext>
     </p:extLst>
   </p:cSld>
@@ -1493,7 +1493,7 @@
           <p:cNvPr id="2" name="标题 1">
             <a:extLst>
               <a:ext uri="{FF2B5EF4-FFF2-40B4-BE49-F238E27FC236}">
-                <a16:creationId xmlns:a16="http://schemas.microsoft.com/office/drawing/2014/main" id="{39E162FF-00CD-7294-FCE4-3D299327B43D}"/>
+                <a16:creationId xmlns:a16="http://schemas.microsoft.com/office/drawing/2014/main" id="{DAAEFC8A-4FD7-0601-AF1D-2E1392AEE57E}"/>
               </a:ext>
             </a:extLst>
           </p:cNvPr>
@@ -1526,7 +1526,7 @@
           <p:cNvPr id="3" name="文本占位符 2">
             <a:extLst>
               <a:ext uri="{FF2B5EF4-FFF2-40B4-BE49-F238E27FC236}">
-                <a16:creationId xmlns:a16="http://schemas.microsoft.com/office/drawing/2014/main" id="{FFAC57CB-2A41-4D8E-9F20-2619FC0A0932}"/>
+                <a16:creationId xmlns:a16="http://schemas.microsoft.com/office/drawing/2014/main" id="{87BC7D07-4B30-A20D-B442-04D3938FE534}"/>
               </a:ext>
             </a:extLst>
           </p:cNvPr>
@@ -1597,7 +1597,7 @@
           <p:cNvPr id="4" name="内容占位符 3">
             <a:extLst>
               <a:ext uri="{FF2B5EF4-FFF2-40B4-BE49-F238E27FC236}">
-                <a16:creationId xmlns:a16="http://schemas.microsoft.com/office/drawing/2014/main" id="{554614E1-8DB7-0168-01EA-0BAA02BC7A3F}"/>
+                <a16:creationId xmlns:a16="http://schemas.microsoft.com/office/drawing/2014/main" id="{89A4A96D-43DE-D383-5445-70AF0B219F7F}"/>
               </a:ext>
             </a:extLst>
           </p:cNvPr>
@@ -1659,7 +1659,7 @@
           <p:cNvPr id="5" name="文本占位符 4">
             <a:extLst>
               <a:ext uri="{FF2B5EF4-FFF2-40B4-BE49-F238E27FC236}">
-                <a16:creationId xmlns:a16="http://schemas.microsoft.com/office/drawing/2014/main" id="{8DC3FAE8-224A-290D-CE22-DA1AF8F67C3E}"/>
+                <a16:creationId xmlns:a16="http://schemas.microsoft.com/office/drawing/2014/main" id="{68F87D02-4156-4DA3-B25C-C8A35C7F3A9B}"/>
               </a:ext>
             </a:extLst>
           </p:cNvPr>
@@ -1730,7 +1730,7 @@
           <p:cNvPr id="6" name="内容占位符 5">
             <a:extLst>
               <a:ext uri="{FF2B5EF4-FFF2-40B4-BE49-F238E27FC236}">
-                <a16:creationId xmlns:a16="http://schemas.microsoft.com/office/drawing/2014/main" id="{0551A510-E33A-71FE-130A-6023D08D44B6}"/>
+                <a16:creationId xmlns:a16="http://schemas.microsoft.com/office/drawing/2014/main" id="{071DFBA6-5B63-87ED-7B10-A27A7AD1EA14}"/>
               </a:ext>
             </a:extLst>
           </p:cNvPr>
@@ -1792,7 +1792,7 @@
           <p:cNvPr id="7" name="日期占位符 6">
             <a:extLst>
               <a:ext uri="{FF2B5EF4-FFF2-40B4-BE49-F238E27FC236}">
-                <a16:creationId xmlns:a16="http://schemas.microsoft.com/office/drawing/2014/main" id="{367F1938-F355-4511-63AE-AE467BCFD33B}"/>
+                <a16:creationId xmlns:a16="http://schemas.microsoft.com/office/drawing/2014/main" id="{60BFAD52-22E3-BFC3-8064-F28D3F8B6D6A}"/>
               </a:ext>
             </a:extLst>
           </p:cNvPr>
@@ -1808,7 +1808,7 @@
           <a:bodyPr/>
           <a:lstStyle/>
           <a:p>
-            <a:fld id="{C10D9E13-0E5E-45FF-8088-5314822C4FDB}" type="datetimeFigureOut">
+            <a:fld id="{A9759116-7615-4817-8AA8-8085E04F8B36}" type="datetimeFigureOut">
               <a:rPr lang="zh-CN" altLang="en-US" smtClean="0"/>
               <a:t>2024/3/10</a:t>
             </a:fld>
@@ -1821,7 +1821,7 @@
           <p:cNvPr id="8" name="页脚占位符 7">
             <a:extLst>
               <a:ext uri="{FF2B5EF4-FFF2-40B4-BE49-F238E27FC236}">
-                <a16:creationId xmlns:a16="http://schemas.microsoft.com/office/drawing/2014/main" id="{DBD936A3-1A6D-2A46-1E7B-F03F5EEB6690}"/>
+                <a16:creationId xmlns:a16="http://schemas.microsoft.com/office/drawing/2014/main" id="{A10AD6B9-1CCD-8BDD-661E-0B600F560FF4}"/>
               </a:ext>
             </a:extLst>
           </p:cNvPr>
@@ -1846,7 +1846,7 @@
           <p:cNvPr id="9" name="灯片编号占位符 8">
             <a:extLst>
               <a:ext uri="{FF2B5EF4-FFF2-40B4-BE49-F238E27FC236}">
-                <a16:creationId xmlns:a16="http://schemas.microsoft.com/office/drawing/2014/main" id="{DCC9D7D9-9AC0-7299-AE51-4704A8D10A72}"/>
+                <a16:creationId xmlns:a16="http://schemas.microsoft.com/office/drawing/2014/main" id="{B578BAC0-A485-2283-A17D-15F9FEB28608}"/>
               </a:ext>
             </a:extLst>
           </p:cNvPr>
@@ -1862,7 +1862,7 @@
           <a:bodyPr/>
           <a:lstStyle/>
           <a:p>
-            <a:fld id="{6967C046-A2DA-461A-A5B7-DE060B38A797}" type="slidenum">
+            <a:fld id="{67AC7DF7-70FB-4D34-9580-0A5CFF1DAD87}" type="slidenum">
               <a:rPr lang="zh-CN" altLang="en-US" smtClean="0"/>
               <a:t>‹#›</a:t>
             </a:fld>
@@ -1873,7 +1873,7 @@
     </p:spTree>
     <p:extLst>
       <p:ext uri="{BB962C8B-B14F-4D97-AF65-F5344CB8AC3E}">
-        <p14:creationId xmlns:p14="http://schemas.microsoft.com/office/powerpoint/2010/main" val="3842994323"/>
+        <p14:creationId xmlns:p14="http://schemas.microsoft.com/office/powerpoint/2010/main" val="4006251413"/>
       </p:ext>
     </p:extLst>
   </p:cSld>
@@ -1905,7 +1905,7 @@
           <p:cNvPr id="2" name="标题 1">
             <a:extLst>
               <a:ext uri="{FF2B5EF4-FFF2-40B4-BE49-F238E27FC236}">
-                <a16:creationId xmlns:a16="http://schemas.microsoft.com/office/drawing/2014/main" id="{DFD01FC4-F1A1-964A-5FC3-1170F7B7C59C}"/>
+                <a16:creationId xmlns:a16="http://schemas.microsoft.com/office/drawing/2014/main" id="{9A92DBA1-C09C-8EEE-3014-C01393FA749E}"/>
               </a:ext>
             </a:extLst>
           </p:cNvPr>
@@ -1933,7 +1933,7 @@
           <p:cNvPr id="3" name="日期占位符 2">
             <a:extLst>
               <a:ext uri="{FF2B5EF4-FFF2-40B4-BE49-F238E27FC236}">
-                <a16:creationId xmlns:a16="http://schemas.microsoft.com/office/drawing/2014/main" id="{4E740D9D-68EA-BCF2-0886-403CD09F9B4B}"/>
+                <a16:creationId xmlns:a16="http://schemas.microsoft.com/office/drawing/2014/main" id="{ACEB5E59-3A24-8967-DD05-F6D431810F56}"/>
               </a:ext>
             </a:extLst>
           </p:cNvPr>
@@ -1949,7 +1949,7 @@
           <a:bodyPr/>
           <a:lstStyle/>
           <a:p>
-            <a:fld id="{C10D9E13-0E5E-45FF-8088-5314822C4FDB}" type="datetimeFigureOut">
+            <a:fld id="{A9759116-7615-4817-8AA8-8085E04F8B36}" type="datetimeFigureOut">
               <a:rPr lang="zh-CN" altLang="en-US" smtClean="0"/>
               <a:t>2024/3/10</a:t>
             </a:fld>
@@ -1962,7 +1962,7 @@
           <p:cNvPr id="4" name="页脚占位符 3">
             <a:extLst>
               <a:ext uri="{FF2B5EF4-FFF2-40B4-BE49-F238E27FC236}">
-                <a16:creationId xmlns:a16="http://schemas.microsoft.com/office/drawing/2014/main" id="{A4C32FC5-C360-13F4-AA39-B0A446B5F623}"/>
+                <a16:creationId xmlns:a16="http://schemas.microsoft.com/office/drawing/2014/main" id="{CB4FC2E9-8681-EC46-2941-0E8BC9D393A2}"/>
               </a:ext>
             </a:extLst>
           </p:cNvPr>
@@ -1987,7 +1987,7 @@
           <p:cNvPr id="5" name="灯片编号占位符 4">
             <a:extLst>
               <a:ext uri="{FF2B5EF4-FFF2-40B4-BE49-F238E27FC236}">
-                <a16:creationId xmlns:a16="http://schemas.microsoft.com/office/drawing/2014/main" id="{18DE964F-8072-A652-5EBD-AE1FEDC0AEB5}"/>
+                <a16:creationId xmlns:a16="http://schemas.microsoft.com/office/drawing/2014/main" id="{B0206CF5-F18C-AA2C-176D-2E9B4FABC927}"/>
               </a:ext>
             </a:extLst>
           </p:cNvPr>
@@ -2003,7 +2003,7 @@
           <a:bodyPr/>
           <a:lstStyle/>
           <a:p>
-            <a:fld id="{6967C046-A2DA-461A-A5B7-DE060B38A797}" type="slidenum">
+            <a:fld id="{67AC7DF7-70FB-4D34-9580-0A5CFF1DAD87}" type="slidenum">
               <a:rPr lang="zh-CN" altLang="en-US" smtClean="0"/>
               <a:t>‹#›</a:t>
             </a:fld>
@@ -2014,7 +2014,7 @@
     </p:spTree>
     <p:extLst>
       <p:ext uri="{BB962C8B-B14F-4D97-AF65-F5344CB8AC3E}">
-        <p14:creationId xmlns:p14="http://schemas.microsoft.com/office/powerpoint/2010/main" val="1869934484"/>
+        <p14:creationId xmlns:p14="http://schemas.microsoft.com/office/powerpoint/2010/main" val="734477812"/>
       </p:ext>
     </p:extLst>
   </p:cSld>
@@ -2046,7 +2046,7 @@
           <p:cNvPr id="2" name="日期占位符 1">
             <a:extLst>
               <a:ext uri="{FF2B5EF4-FFF2-40B4-BE49-F238E27FC236}">
-                <a16:creationId xmlns:a16="http://schemas.microsoft.com/office/drawing/2014/main" id="{1AF8B863-BA40-6550-591E-7DF620B3ED76}"/>
+                <a16:creationId xmlns:a16="http://schemas.microsoft.com/office/drawing/2014/main" id="{794BEADA-F35B-B9D0-8F26-E01FEA52C130}"/>
               </a:ext>
             </a:extLst>
           </p:cNvPr>
@@ -2062,7 +2062,7 @@
           <a:bodyPr/>
           <a:lstStyle/>
           <a:p>
-            <a:fld id="{C10D9E13-0E5E-45FF-8088-5314822C4FDB}" type="datetimeFigureOut">
+            <a:fld id="{A9759116-7615-4817-8AA8-8085E04F8B36}" type="datetimeFigureOut">
               <a:rPr lang="zh-CN" altLang="en-US" smtClean="0"/>
               <a:t>2024/3/10</a:t>
             </a:fld>
@@ -2075,7 +2075,7 @@
           <p:cNvPr id="3" name="页脚占位符 2">
             <a:extLst>
               <a:ext uri="{FF2B5EF4-FFF2-40B4-BE49-F238E27FC236}">
-                <a16:creationId xmlns:a16="http://schemas.microsoft.com/office/drawing/2014/main" id="{4BF48527-6645-486C-1C9A-155EDBDF7567}"/>
+                <a16:creationId xmlns:a16="http://schemas.microsoft.com/office/drawing/2014/main" id="{A0365E63-FFE0-2063-571A-BE3A0EF16912}"/>
               </a:ext>
             </a:extLst>
           </p:cNvPr>
@@ -2100,7 +2100,7 @@
           <p:cNvPr id="4" name="灯片编号占位符 3">
             <a:extLst>
               <a:ext uri="{FF2B5EF4-FFF2-40B4-BE49-F238E27FC236}">
-                <a16:creationId xmlns:a16="http://schemas.microsoft.com/office/drawing/2014/main" id="{E7A3C402-3920-A470-D1A1-8CC9EF7DC4ED}"/>
+                <a16:creationId xmlns:a16="http://schemas.microsoft.com/office/drawing/2014/main" id="{47E3BB4C-A5A8-8E2B-30B2-5B956D66B964}"/>
               </a:ext>
             </a:extLst>
           </p:cNvPr>
@@ -2116,7 +2116,7 @@
           <a:bodyPr/>
           <a:lstStyle/>
           <a:p>
-            <a:fld id="{6967C046-A2DA-461A-A5B7-DE060B38A797}" type="slidenum">
+            <a:fld id="{67AC7DF7-70FB-4D34-9580-0A5CFF1DAD87}" type="slidenum">
               <a:rPr lang="zh-CN" altLang="en-US" smtClean="0"/>
               <a:t>‹#›</a:t>
             </a:fld>
@@ -2127,7 +2127,7 @@
     </p:spTree>
     <p:extLst>
       <p:ext uri="{BB962C8B-B14F-4D97-AF65-F5344CB8AC3E}">
-        <p14:creationId xmlns:p14="http://schemas.microsoft.com/office/powerpoint/2010/main" val="13309566"/>
+        <p14:creationId xmlns:p14="http://schemas.microsoft.com/office/powerpoint/2010/main" val="2279288779"/>
       </p:ext>
     </p:extLst>
   </p:cSld>
@@ -2159,7 +2159,7 @@
           <p:cNvPr id="2" name="标题 1">
             <a:extLst>
               <a:ext uri="{FF2B5EF4-FFF2-40B4-BE49-F238E27FC236}">
-                <a16:creationId xmlns:a16="http://schemas.microsoft.com/office/drawing/2014/main" id="{18F16DB5-3990-6D9D-9D97-790AB5C8943D}"/>
+                <a16:creationId xmlns:a16="http://schemas.microsoft.com/office/drawing/2014/main" id="{791B5065-430C-5F61-22EF-82EF9793C07D}"/>
               </a:ext>
             </a:extLst>
           </p:cNvPr>
@@ -2196,7 +2196,7 @@
           <p:cNvPr id="3" name="内容占位符 2">
             <a:extLst>
               <a:ext uri="{FF2B5EF4-FFF2-40B4-BE49-F238E27FC236}">
-                <a16:creationId xmlns:a16="http://schemas.microsoft.com/office/drawing/2014/main" id="{3800AD19-DC1E-FE0A-E02C-B89EBB4750DA}"/>
+                <a16:creationId xmlns:a16="http://schemas.microsoft.com/office/drawing/2014/main" id="{F5162850-4037-1C24-E775-435A504FEB30}"/>
               </a:ext>
             </a:extLst>
           </p:cNvPr>
@@ -2286,7 +2286,7 @@
           <p:cNvPr id="4" name="文本占位符 3">
             <a:extLst>
               <a:ext uri="{FF2B5EF4-FFF2-40B4-BE49-F238E27FC236}">
-                <a16:creationId xmlns:a16="http://schemas.microsoft.com/office/drawing/2014/main" id="{6BD60BC1-9BFC-D197-E84F-E1C153E8ED4D}"/>
+                <a16:creationId xmlns:a16="http://schemas.microsoft.com/office/drawing/2014/main" id="{AD19FB9B-50C6-8D8C-C8F0-3232C1BC44EB}"/>
               </a:ext>
             </a:extLst>
           </p:cNvPr>
@@ -2357,7 +2357,7 @@
           <p:cNvPr id="5" name="日期占位符 4">
             <a:extLst>
               <a:ext uri="{FF2B5EF4-FFF2-40B4-BE49-F238E27FC236}">
-                <a16:creationId xmlns:a16="http://schemas.microsoft.com/office/drawing/2014/main" id="{858E65BE-0FCE-5698-CB6B-83490BFB97FD}"/>
+                <a16:creationId xmlns:a16="http://schemas.microsoft.com/office/drawing/2014/main" id="{04D6AE65-9C87-08F2-A787-8AAFAE326D70}"/>
               </a:ext>
             </a:extLst>
           </p:cNvPr>
@@ -2373,7 +2373,7 @@
           <a:bodyPr/>
           <a:lstStyle/>
           <a:p>
-            <a:fld id="{C10D9E13-0E5E-45FF-8088-5314822C4FDB}" type="datetimeFigureOut">
+            <a:fld id="{A9759116-7615-4817-8AA8-8085E04F8B36}" type="datetimeFigureOut">
               <a:rPr lang="zh-CN" altLang="en-US" smtClean="0"/>
               <a:t>2024/3/10</a:t>
             </a:fld>
@@ -2386,7 +2386,7 @@
           <p:cNvPr id="6" name="页脚占位符 5">
             <a:extLst>
               <a:ext uri="{FF2B5EF4-FFF2-40B4-BE49-F238E27FC236}">
-                <a16:creationId xmlns:a16="http://schemas.microsoft.com/office/drawing/2014/main" id="{FAA95034-BC7E-6734-BCF2-1B3E58A0CA30}"/>
+                <a16:creationId xmlns:a16="http://schemas.microsoft.com/office/drawing/2014/main" id="{DCCAB08E-FAAA-83E0-30CE-84481B6F1EAA}"/>
               </a:ext>
             </a:extLst>
           </p:cNvPr>
@@ -2411,7 +2411,7 @@
           <p:cNvPr id="7" name="灯片编号占位符 6">
             <a:extLst>
               <a:ext uri="{FF2B5EF4-FFF2-40B4-BE49-F238E27FC236}">
-                <a16:creationId xmlns:a16="http://schemas.microsoft.com/office/drawing/2014/main" id="{497E649C-674D-89AF-0928-DFDA536984D4}"/>
+                <a16:creationId xmlns:a16="http://schemas.microsoft.com/office/drawing/2014/main" id="{07287FA9-C3D2-8213-E0FA-6FD2BB68A9BC}"/>
               </a:ext>
             </a:extLst>
           </p:cNvPr>
@@ -2427,7 +2427,7 @@
           <a:bodyPr/>
           <a:lstStyle/>
           <a:p>
-            <a:fld id="{6967C046-A2DA-461A-A5B7-DE060B38A797}" type="slidenum">
+            <a:fld id="{67AC7DF7-70FB-4D34-9580-0A5CFF1DAD87}" type="slidenum">
               <a:rPr lang="zh-CN" altLang="en-US" smtClean="0"/>
               <a:t>‹#›</a:t>
             </a:fld>
@@ -2438,7 +2438,7 @@
     </p:spTree>
     <p:extLst>
       <p:ext uri="{BB962C8B-B14F-4D97-AF65-F5344CB8AC3E}">
-        <p14:creationId xmlns:p14="http://schemas.microsoft.com/office/powerpoint/2010/main" val="4110523499"/>
+        <p14:creationId xmlns:p14="http://schemas.microsoft.com/office/powerpoint/2010/main" val="3936869899"/>
       </p:ext>
     </p:extLst>
   </p:cSld>
@@ -2470,7 +2470,7 @@
           <p:cNvPr id="2" name="标题 1">
             <a:extLst>
               <a:ext uri="{FF2B5EF4-FFF2-40B4-BE49-F238E27FC236}">
-                <a16:creationId xmlns:a16="http://schemas.microsoft.com/office/drawing/2014/main" id="{3DE43502-1105-73F2-493C-0AF09D2CAE38}"/>
+                <a16:creationId xmlns:a16="http://schemas.microsoft.com/office/drawing/2014/main" id="{2D41C71C-7166-6669-864D-D94F4C285BCA}"/>
               </a:ext>
             </a:extLst>
           </p:cNvPr>
@@ -2507,7 +2507,7 @@
           <p:cNvPr id="3" name="图片占位符 2">
             <a:extLst>
               <a:ext uri="{FF2B5EF4-FFF2-40B4-BE49-F238E27FC236}">
-                <a16:creationId xmlns:a16="http://schemas.microsoft.com/office/drawing/2014/main" id="{7DD5C7C7-BB78-8718-18B3-389FAD23E838}"/>
+                <a16:creationId xmlns:a16="http://schemas.microsoft.com/office/drawing/2014/main" id="{F06874BE-D87A-716F-1ACB-29DB5727AA6A}"/>
               </a:ext>
             </a:extLst>
           </p:cNvPr>
@@ -2574,7 +2574,7 @@
           <p:cNvPr id="4" name="文本占位符 3">
             <a:extLst>
               <a:ext uri="{FF2B5EF4-FFF2-40B4-BE49-F238E27FC236}">
-                <a16:creationId xmlns:a16="http://schemas.microsoft.com/office/drawing/2014/main" id="{A79A6D57-66E4-3CC6-8EEA-4369C8D24333}"/>
+                <a16:creationId xmlns:a16="http://schemas.microsoft.com/office/drawing/2014/main" id="{A5000756-BF73-2D29-838D-A6B809A99A04}"/>
               </a:ext>
             </a:extLst>
           </p:cNvPr>
@@ -2645,7 +2645,7 @@
           <p:cNvPr id="5" name="日期占位符 4">
             <a:extLst>
               <a:ext uri="{FF2B5EF4-FFF2-40B4-BE49-F238E27FC236}">
-                <a16:creationId xmlns:a16="http://schemas.microsoft.com/office/drawing/2014/main" id="{3D014581-6AA7-2CD4-8DC2-1F813F46163D}"/>
+                <a16:creationId xmlns:a16="http://schemas.microsoft.com/office/drawing/2014/main" id="{FC795650-03E9-63D7-3F89-8A29C8B015EE}"/>
               </a:ext>
             </a:extLst>
           </p:cNvPr>
@@ -2661,7 +2661,7 @@
           <a:bodyPr/>
           <a:lstStyle/>
           <a:p>
-            <a:fld id="{C10D9E13-0E5E-45FF-8088-5314822C4FDB}" type="datetimeFigureOut">
+            <a:fld id="{A9759116-7615-4817-8AA8-8085E04F8B36}" type="datetimeFigureOut">
               <a:rPr lang="zh-CN" altLang="en-US" smtClean="0"/>
               <a:t>2024/3/10</a:t>
             </a:fld>
@@ -2674,7 +2674,7 @@
           <p:cNvPr id="6" name="页脚占位符 5">
             <a:extLst>
               <a:ext uri="{FF2B5EF4-FFF2-40B4-BE49-F238E27FC236}">
-                <a16:creationId xmlns:a16="http://schemas.microsoft.com/office/drawing/2014/main" id="{DE5EEDA5-F73E-F8BE-163C-286CE11D161E}"/>
+                <a16:creationId xmlns:a16="http://schemas.microsoft.com/office/drawing/2014/main" id="{A33F32CA-EA62-64D0-9FDA-662A671DA818}"/>
               </a:ext>
             </a:extLst>
           </p:cNvPr>
@@ -2699,7 +2699,7 @@
           <p:cNvPr id="7" name="灯片编号占位符 6">
             <a:extLst>
               <a:ext uri="{FF2B5EF4-FFF2-40B4-BE49-F238E27FC236}">
-                <a16:creationId xmlns:a16="http://schemas.microsoft.com/office/drawing/2014/main" id="{BA317D57-EC3B-4BBD-A685-6F3FB63D057F}"/>
+                <a16:creationId xmlns:a16="http://schemas.microsoft.com/office/drawing/2014/main" id="{2D65D3D7-8C4C-E532-AEC2-338DBEB3754E}"/>
               </a:ext>
             </a:extLst>
           </p:cNvPr>
@@ -2715,7 +2715,7 @@
           <a:bodyPr/>
           <a:lstStyle/>
           <a:p>
-            <a:fld id="{6967C046-A2DA-461A-A5B7-DE060B38A797}" type="slidenum">
+            <a:fld id="{67AC7DF7-70FB-4D34-9580-0A5CFF1DAD87}" type="slidenum">
               <a:rPr lang="zh-CN" altLang="en-US" smtClean="0"/>
               <a:t>‹#›</a:t>
             </a:fld>
@@ -2726,7 +2726,7 @@
     </p:spTree>
     <p:extLst>
       <p:ext uri="{BB962C8B-B14F-4D97-AF65-F5344CB8AC3E}">
-        <p14:creationId xmlns:p14="http://schemas.microsoft.com/office/powerpoint/2010/main" val="1513314177"/>
+        <p14:creationId xmlns:p14="http://schemas.microsoft.com/office/powerpoint/2010/main" val="1595141044"/>
       </p:ext>
     </p:extLst>
   </p:cSld>
@@ -2763,7 +2763,7 @@
           <p:cNvPr id="2" name="标题占位符 1">
             <a:extLst>
               <a:ext uri="{FF2B5EF4-FFF2-40B4-BE49-F238E27FC236}">
-                <a16:creationId xmlns:a16="http://schemas.microsoft.com/office/drawing/2014/main" id="{7C744206-209A-1409-915C-CB440BFE1D13}"/>
+                <a16:creationId xmlns:a16="http://schemas.microsoft.com/office/drawing/2014/main" id="{C45419EC-A24E-B1CA-C91C-36649A07AA8A}"/>
               </a:ext>
             </a:extLst>
           </p:cNvPr>
@@ -2801,7 +2801,7 @@
           <p:cNvPr id="3" name="文本占位符 2">
             <a:extLst>
               <a:ext uri="{FF2B5EF4-FFF2-40B4-BE49-F238E27FC236}">
-                <a16:creationId xmlns:a16="http://schemas.microsoft.com/office/drawing/2014/main" id="{9E59D973-159E-2E66-5B57-EF14F2EE5236}"/>
+                <a16:creationId xmlns:a16="http://schemas.microsoft.com/office/drawing/2014/main" id="{384279C0-D345-D483-4B6D-A4CA3125390D}"/>
               </a:ext>
             </a:extLst>
           </p:cNvPr>
@@ -2868,7 +2868,7 @@
           <p:cNvPr id="4" name="日期占位符 3">
             <a:extLst>
               <a:ext uri="{FF2B5EF4-FFF2-40B4-BE49-F238E27FC236}">
-                <a16:creationId xmlns:a16="http://schemas.microsoft.com/office/drawing/2014/main" id="{9122624D-94AD-F68B-6945-E763CEC540E2}"/>
+                <a16:creationId xmlns:a16="http://schemas.microsoft.com/office/drawing/2014/main" id="{99939292-B886-0CD6-2E57-CF7CADF2DB24}"/>
               </a:ext>
             </a:extLst>
           </p:cNvPr>
@@ -2902,7 +2902,7 @@
             </a:lvl1pPr>
           </a:lstStyle>
           <a:p>
-            <a:fld id="{C10D9E13-0E5E-45FF-8088-5314822C4FDB}" type="datetimeFigureOut">
+            <a:fld id="{A9759116-7615-4817-8AA8-8085E04F8B36}" type="datetimeFigureOut">
               <a:rPr lang="zh-CN" altLang="en-US" smtClean="0"/>
               <a:t>2024/3/10</a:t>
             </a:fld>
@@ -2915,7 +2915,7 @@
           <p:cNvPr id="5" name="页脚占位符 4">
             <a:extLst>
               <a:ext uri="{FF2B5EF4-FFF2-40B4-BE49-F238E27FC236}">
-                <a16:creationId xmlns:a16="http://schemas.microsoft.com/office/drawing/2014/main" id="{A70654FB-DB38-F3A4-60A8-1520B2A66DFF}"/>
+                <a16:creationId xmlns:a16="http://schemas.microsoft.com/office/drawing/2014/main" id="{73A1F2D0-7CB2-32A0-9E4E-C1B97C1F59FC}"/>
               </a:ext>
             </a:extLst>
           </p:cNvPr>
@@ -2958,7 +2958,7 @@
           <p:cNvPr id="6" name="灯片编号占位符 5">
             <a:extLst>
               <a:ext uri="{FF2B5EF4-FFF2-40B4-BE49-F238E27FC236}">
-                <a16:creationId xmlns:a16="http://schemas.microsoft.com/office/drawing/2014/main" id="{2D370404-C8BC-F244-8FD6-9140AF6408CA}"/>
+                <a16:creationId xmlns:a16="http://schemas.microsoft.com/office/drawing/2014/main" id="{6135019A-120F-6560-1723-5CB33DF34746}"/>
               </a:ext>
             </a:extLst>
           </p:cNvPr>
@@ -2992,7 +2992,7 @@
             </a:lvl1pPr>
           </a:lstStyle>
           <a:p>
-            <a:fld id="{6967C046-A2DA-461A-A5B7-DE060B38A797}" type="slidenum">
+            <a:fld id="{67AC7DF7-70FB-4D34-9580-0A5CFF1DAD87}" type="slidenum">
               <a:rPr lang="zh-CN" altLang="en-US" smtClean="0"/>
               <a:t>‹#›</a:t>
             </a:fld>
@@ -3003,7 +3003,7 @@
     </p:spTree>
     <p:extLst>
       <p:ext uri="{BB962C8B-B14F-4D97-AF65-F5344CB8AC3E}">
-        <p14:creationId xmlns:p14="http://schemas.microsoft.com/office/powerpoint/2010/main" val="2794530501"/>
+        <p14:creationId xmlns:p14="http://schemas.microsoft.com/office/powerpoint/2010/main" val="1008220985"/>
       </p:ext>
     </p:extLst>
   </p:cSld>
@@ -3323,7 +3323,7 @@
       </p:grpSpPr>
       <p:pic>
         <p:nvPicPr>
-          <p:cNvPr id="979970" name="Picture 2" descr="956"/>
+          <p:cNvPr id="980994" name="Picture 2" descr="957"/>
           <p:cNvPicPr>
             <a:picLocks noChangeAspect="1" noChangeArrowheads="1"/>
           </p:cNvPicPr>
@@ -3345,7 +3345,7 @@
         <p:spPr bwMode="auto">
           <a:xfrm>
             <a:off x="1524000" y="0"/>
-            <a:ext cx="9144000" cy="6859588"/>
+            <a:ext cx="9144000" cy="6858000"/>
           </a:xfrm>
           <a:prstGeom prst="rect">
             <a:avLst/>
